--- a/Presentation/AI Internship Capstone Project Presentation.pptx
+++ b/Presentation/AI Internship Capstone Project Presentation.pptx
@@ -39,35 +39,35 @@
   <p:notesSz cx="6858000" cy="9144000"/>
   <p:embeddedFontLst>
     <p:embeddedFont>
-      <p:font typeface="Poppins Light" charset="0"/>
+      <p:font typeface="Poppins Thin" charset="0"/>
       <p:regular r:id="rId29"/>
       <p:bold r:id="rId30"/>
       <p:italic r:id="rId31"/>
       <p:boldItalic r:id="rId32"/>
     </p:embeddedFont>
     <p:embeddedFont>
-      <p:font typeface="Poppins ExtraLight" charset="0"/>
+      <p:font typeface="Poppins SemiBold" charset="0"/>
       <p:regular r:id="rId33"/>
       <p:bold r:id="rId34"/>
       <p:italic r:id="rId35"/>
       <p:boldItalic r:id="rId36"/>
     </p:embeddedFont>
     <p:embeddedFont>
-      <p:font typeface="Poppins SemiBold" charset="0"/>
+      <p:font typeface="Poppins ExtraLight" charset="0"/>
       <p:regular r:id="rId37"/>
       <p:bold r:id="rId38"/>
       <p:italic r:id="rId39"/>
       <p:boldItalic r:id="rId40"/>
     </p:embeddedFont>
     <p:embeddedFont>
-      <p:font typeface="Poppins Thin" charset="0"/>
+      <p:font typeface="Poppins" charset="0"/>
       <p:regular r:id="rId41"/>
       <p:bold r:id="rId42"/>
       <p:italic r:id="rId43"/>
       <p:boldItalic r:id="rId44"/>
     </p:embeddedFont>
     <p:embeddedFont>
-      <p:font typeface="Poppins" charset="0"/>
+      <p:font typeface="Poppins Light" charset="0"/>
       <p:regular r:id="rId45"/>
       <p:bold r:id="rId46"/>
       <p:italic r:id="rId47"/>
@@ -305,7 +305,7 @@
   </p:defaultTextStyle>
   <p:extLst>
     <p:ext uri="{EFAFB233-063F-42B5-8137-9DF3F51BA10A}">
-      <p15:sldGuideLst xmlns:ahyp="http://schemas.microsoft.com/office/drawing/2018/hyperlinkcolor" xmlns:p15="http://schemas.microsoft.com/office/powerpoint/2012/main" xmlns:p14="http://schemas.microsoft.com/office/powerpoint/2010/main" xmlns:com="http://schemas.openxmlformats.org/drawingml/2006/compatibility" xmlns:pvml="urn:schemas-microsoft-com:office:powerpoint" xmlns:v="urn:schemas-microsoft-com:vml" xmlns:o="urn:schemas-microsoft-com:office:office" xmlns:dgm="http://schemas.openxmlformats.org/drawingml/2006/diagram" xmlns:c="http://schemas.openxmlformats.org/drawingml/2006/chart" xmlns:mv="urn:schemas-microsoft-com:mac:vml" xmlns:mc="http://schemas.openxmlformats.org/markup-compatibility/2006" xmlns="">
+      <p15:sldGuideLst xmlns="" xmlns:mc="http://schemas.openxmlformats.org/markup-compatibility/2006" xmlns:mv="urn:schemas-microsoft-com:mac:vml" xmlns:c="http://schemas.openxmlformats.org/drawingml/2006/chart" xmlns:dgm="http://schemas.openxmlformats.org/drawingml/2006/diagram" xmlns:o="urn:schemas-microsoft-com:office:office" xmlns:v="urn:schemas-microsoft-com:vml" xmlns:pvml="urn:schemas-microsoft-com:office:powerpoint" xmlns:com="http://schemas.openxmlformats.org/drawingml/2006/compatibility" xmlns:p14="http://schemas.microsoft.com/office/powerpoint/2010/main" xmlns:p15="http://schemas.microsoft.com/office/powerpoint/2012/main" xmlns:ahyp="http://schemas.microsoft.com/office/drawing/2018/hyperlinkcolor">
         <p15:guide id="1" orient="horz" pos="1620">
           <p15:clr>
             <a:srgbClr val="747775"/>
@@ -2877,7 +2877,7 @@
         </p:nvSpPr>
         <p:spPr>
           <a:xfrm>
-            <a:off x="381300" y="685800"/>
+            <a:off x="381000" y="685800"/>
             <a:ext cx="6096000" cy="3429000"/>
           </a:xfrm>
           <a:custGeom>
@@ -2981,7 +2981,7 @@
         </p:nvSpPr>
         <p:spPr>
           <a:xfrm>
-            <a:off x="381300" y="685800"/>
+            <a:off x="381000" y="685800"/>
             <a:ext cx="6096000" cy="3429000"/>
           </a:xfrm>
           <a:custGeom>
@@ -7104,7 +7104,7 @@
                 <a:hlinkClick r:id="rId3">
                   <a:extLst>
                     <a:ext uri="{A12FA001-AC4F-418D-AE19-62706E023703}">
-                      <ahyp:hlinkClr xmlns:ahyp="http://schemas.microsoft.com/office/drawing/2018/hyperlinkcolor" xmlns:p15="http://schemas.microsoft.com/office/powerpoint/2012/main" xmlns:p14="http://schemas.microsoft.com/office/powerpoint/2010/main" xmlns:com="http://schemas.openxmlformats.org/drawingml/2006/compatibility" xmlns:pvml="urn:schemas-microsoft-com:office:powerpoint" xmlns:v="urn:schemas-microsoft-com:vml" xmlns:o="urn:schemas-microsoft-com:office:office" xmlns:dgm="http://schemas.openxmlformats.org/drawingml/2006/diagram" xmlns:c="http://schemas.openxmlformats.org/drawingml/2006/chart" xmlns:mv="urn:schemas-microsoft-com:mac:vml" xmlns:mc="http://schemas.openxmlformats.org/markup-compatibility/2006" xmlns="" val="tx"/>
+                      <ahyp:hlinkClr xmlns="" xmlns:mc="http://schemas.openxmlformats.org/markup-compatibility/2006" xmlns:mv="urn:schemas-microsoft-com:mac:vml" xmlns:c="http://schemas.openxmlformats.org/drawingml/2006/chart" xmlns:dgm="http://schemas.openxmlformats.org/drawingml/2006/diagram" xmlns:o="urn:schemas-microsoft-com:office:office" xmlns:v="urn:schemas-microsoft-com:vml" xmlns:pvml="urn:schemas-microsoft-com:office:powerpoint" xmlns:com="http://schemas.openxmlformats.org/drawingml/2006/compatibility" xmlns:p14="http://schemas.microsoft.com/office/powerpoint/2010/main" xmlns:p15="http://schemas.microsoft.com/office/powerpoint/2012/main" xmlns:ahyp="http://schemas.microsoft.com/office/drawing/2018/hyperlinkcolor" val="tx"/>
                     </a:ext>
                   </a:extLst>
                 </a:hlinkClick>
@@ -7146,7 +7146,7 @@
                 <a:hlinkClick r:id="rId4">
                   <a:extLst>
                     <a:ext uri="{A12FA001-AC4F-418D-AE19-62706E023703}">
-                      <ahyp:hlinkClr xmlns:ahyp="http://schemas.microsoft.com/office/drawing/2018/hyperlinkcolor" xmlns:p15="http://schemas.microsoft.com/office/powerpoint/2012/main" xmlns:p14="http://schemas.microsoft.com/office/powerpoint/2010/main" xmlns:com="http://schemas.openxmlformats.org/drawingml/2006/compatibility" xmlns:pvml="urn:schemas-microsoft-com:office:powerpoint" xmlns:v="urn:schemas-microsoft-com:vml" xmlns:o="urn:schemas-microsoft-com:office:office" xmlns:dgm="http://schemas.openxmlformats.org/drawingml/2006/diagram" xmlns:c="http://schemas.openxmlformats.org/drawingml/2006/chart" xmlns:mv="urn:schemas-microsoft-com:mac:vml" xmlns:mc="http://schemas.openxmlformats.org/markup-compatibility/2006" xmlns="" val="tx"/>
+                      <ahyp:hlinkClr xmlns="" xmlns:mc="http://schemas.openxmlformats.org/markup-compatibility/2006" xmlns:mv="urn:schemas-microsoft-com:mac:vml" xmlns:c="http://schemas.openxmlformats.org/drawingml/2006/chart" xmlns:dgm="http://schemas.openxmlformats.org/drawingml/2006/diagram" xmlns:o="urn:schemas-microsoft-com:office:office" xmlns:v="urn:schemas-microsoft-com:vml" xmlns:pvml="urn:schemas-microsoft-com:office:powerpoint" xmlns:com="http://schemas.openxmlformats.org/drawingml/2006/compatibility" xmlns:p14="http://schemas.microsoft.com/office/powerpoint/2010/main" xmlns:p15="http://schemas.microsoft.com/office/powerpoint/2012/main" xmlns:ahyp="http://schemas.microsoft.com/office/drawing/2018/hyperlinkcolor" val="tx"/>
                     </a:ext>
                   </a:extLst>
                 </a:hlinkClick>
@@ -11516,8 +11516,8 @@
         </p:nvSpPr>
         <p:spPr>
           <a:xfrm>
-            <a:off x="167685" y="785925"/>
-            <a:ext cx="8703565" cy="2462213"/>
+            <a:off x="167685" y="785926"/>
+            <a:ext cx="7771829" cy="2246769"/>
           </a:xfrm>
           <a:prstGeom prst="rect">
             <a:avLst/>
@@ -11532,197 +11532,203 @@
           <a:p>
             <a:r>
               <a:rPr lang="en-US" dirty="0"/>
-              <a:t>First Dataset The first dataset (actual.csv) has the following </a:t>
+              <a:t>T</a:t>
+            </a:r>
+            <a:r>
+              <a:rPr lang="en-US" dirty="0" smtClean="0"/>
+              <a:t>he historical dataset </a:t>
+            </a:r>
+            <a:r>
+              <a:rPr lang="en-US" dirty="0"/>
+              <a:t>(actual.csv) </a:t>
+            </a:r>
+            <a:r>
+              <a:rPr lang="en-US" dirty="0" smtClean="0"/>
+              <a:t>,has </a:t>
+            </a:r>
+            <a:r>
+              <a:rPr lang="en-US" dirty="0"/>
+              <a:t>the following </a:t>
             </a:r>
             <a:r>
               <a:rPr lang="en-US" dirty="0" smtClean="0"/>
               <a:t>Features: </a:t>
             </a:r>
-          </a:p>
-          <a:p>
             <a:endParaRPr lang="en-US" dirty="0" smtClean="0"/>
           </a:p>
           <a:p>
+            <a:endParaRPr lang="en-US" dirty="0"/>
+          </a:p>
+          <a:p>
+            <a:pPr marL="285750" indent="-285750">
+              <a:buFont typeface="Wingdings" pitchFamily="2" charset="2"/>
+              <a:buChar char="v"/>
+            </a:pPr>
+            <a:r>
+              <a:rPr lang="en-US" dirty="0"/>
+              <a:t>C</a:t>
+            </a:r>
             <a:r>
               <a:rPr lang="en-US" dirty="0" smtClean="0"/>
-              <a:t>1. Date </a:t>
+              <a:t>ategorical features :  6 Features  [vietnam_season,p_color,brazil_season,indonesia_season,india_season,china_season]</a:t>
+            </a:r>
+          </a:p>
+          <a:p>
+            <a:pPr marL="285750" indent="-285750">
+              <a:buFont typeface="Wingdings" pitchFamily="2" charset="2"/>
+              <a:buChar char="v"/>
+            </a:pPr>
+            <a:endParaRPr lang="en-US" dirty="0"/>
+          </a:p>
+          <a:p>
+            <a:pPr marL="285750" indent="-285750">
+              <a:buFont typeface="Wingdings" pitchFamily="2" charset="2"/>
+              <a:buChar char="v"/>
+            </a:pPr>
+            <a:r>
+              <a:rPr lang="en-US" dirty="0" smtClean="0"/>
+              <a:t>Numerical features : 14 </a:t>
             </a:r>
             <a:r>
               <a:rPr lang="en-US" dirty="0"/>
-              <a:t>Columns: </a:t>
+              <a:t>features </a:t>
             </a:r>
             <a:r>
-              <a:rPr lang="en-US" dirty="0" err="1"/>
-              <a:t>week_start_dt</a:t>
+              <a:rPr lang="en-US" dirty="0" smtClean="0"/>
+              <a:t>[price,total_volume,brazil,india,vietnam,indonesia,china,jordan_max_price,jordan_min_price,demand,supply]</a:t>
+            </a:r>
+            <a:endParaRPr lang="en-US" dirty="0"/>
+          </a:p>
+          <a:p>
+            <a:endParaRPr lang="en-US" dirty="0" smtClean="0"/>
+          </a:p>
+          <a:p>
+            <a:endParaRPr lang="en-US" dirty="0"/>
+          </a:p>
+        </p:txBody>
+      </p:sp>
+      <p:sp>
+        <p:nvSpPr>
+          <p:cNvPr id="3" name="TextBox 2"/>
+          <p:cNvSpPr txBox="1"/>
+          <p:nvPr/>
+        </p:nvSpPr>
+        <p:spPr>
+          <a:xfrm>
+            <a:off x="227667" y="3140492"/>
+            <a:ext cx="8359304" cy="1600438"/>
+          </a:xfrm>
+          <a:prstGeom prst="rect">
+            <a:avLst/>
+          </a:prstGeom>
+          <a:noFill/>
+        </p:spPr>
+        <p:txBody>
+          <a:bodyPr wrap="square" rtlCol="0">
+            <a:spAutoFit/>
+          </a:bodyPr>
+          <a:lstStyle/>
+          <a:p>
+            <a:r>
+              <a:rPr lang="en-US" dirty="0"/>
+              <a:t>The </a:t>
+            </a:r>
+            <a:r>
+              <a:rPr lang="en-US" dirty="0" smtClean="0"/>
+              <a:t>Projected dataset ,has </a:t>
             </a:r>
             <a:r>
               <a:rPr lang="en-US" dirty="0"/>
-              <a:t>: the start day of the week (</a:t>
+              <a:t>the following Features</a:t>
             </a:r>
             <a:r>
               <a:rPr lang="en-US" dirty="0" smtClean="0"/>
-              <a:t>Monday).</a:t>
+              <a:t>:</a:t>
             </a:r>
           </a:p>
           <a:p>
+            <a:endParaRPr lang="en-US" dirty="0" smtClean="0"/>
+          </a:p>
+          <a:p>
+            <a:pPr marL="285750" indent="-285750">
+              <a:buFont typeface="Wingdings" pitchFamily="2" charset="2"/>
+              <a:buChar char="v"/>
+            </a:pPr>
+            <a:r>
+              <a:rPr lang="en-US" dirty="0"/>
+              <a:t>Categorical features :  </a:t>
+            </a:r>
             <a:r>
               <a:rPr lang="en-US" dirty="0" smtClean="0"/>
-              <a:t>2. </a:t>
+              <a:t>4 </a:t>
+            </a:r>
+            <a:r>
+              <a:rPr lang="en-US" dirty="0"/>
+              <a:t>Features </a:t>
+            </a:r>
+            <a:endParaRPr lang="en-US" dirty="0" smtClean="0"/>
+          </a:p>
+          <a:p>
+            <a:r>
+              <a:rPr lang="en-US" dirty="0" smtClean="0"/>
+              <a:t>      [</a:t>
             </a:r>
             <a:r>
               <a:rPr lang="en-US" dirty="0" err="1" smtClean="0"/>
-              <a:t>p_color</a:t>
+              <a:t>brazil_season,indonesia_season,india_season,china_season</a:t>
             </a:r>
             <a:r>
               <a:rPr lang="en-US" dirty="0"/>
-              <a:t>: the different colors of the Bell Pepper. </a:t>
+              <a:t>]</a:t>
             </a:r>
+          </a:p>
+          <a:p>
+            <a:pPr marL="285750" indent="-285750">
+              <a:buFont typeface="Wingdings" pitchFamily="2" charset="2"/>
+              <a:buChar char="v"/>
+            </a:pPr>
             <a:endParaRPr lang="en-US" dirty="0" smtClean="0"/>
           </a:p>
           <a:p>
+            <a:pPr marL="285750" indent="-285750">
+              <a:buFont typeface="Wingdings" pitchFamily="2" charset="2"/>
+              <a:buChar char="v"/>
+            </a:pPr>
+            <a:r>
+              <a:rPr lang="en-US" dirty="0"/>
+              <a:t>Numerical </a:t>
+            </a:r>
             <a:r>
               <a:rPr lang="en-US" dirty="0" smtClean="0"/>
-              <a:t>3. price</a:t>
+              <a:t>features </a:t>
             </a:r>
             <a:r>
               <a:rPr lang="en-US" dirty="0"/>
-              <a:t>: the selling price of the Bell Pepper. </a:t>
+              <a:t>:  </a:t>
             </a:r>
-            <a:endParaRPr lang="en-US" dirty="0" smtClean="0"/>
-          </a:p>
-          <a:p>
             <a:r>
               <a:rPr lang="en-US" dirty="0" smtClean="0"/>
-              <a:t>4. </a:t>
+              <a:t>6 </a:t>
+            </a:r>
+            <a:r>
+              <a:rPr lang="en-US" dirty="0"/>
+              <a:t>Features </a:t>
+            </a:r>
+          </a:p>
+          <a:p>
+            <a:r>
+              <a:rPr lang="en-US" dirty="0" smtClean="0"/>
+              <a:t>      [</a:t>
             </a:r>
             <a:r>
               <a:rPr lang="en-US" dirty="0" err="1" smtClean="0"/>
-              <a:t>jordan_max_price</a:t>
+              <a:t>total_volume,brazil,india,vietnam,indonesia,china</a:t>
             </a:r>
             <a:r>
               <a:rPr lang="en-US" dirty="0" smtClean="0"/>
-              <a:t> : </a:t>
+              <a:t>] </a:t>
             </a:r>
-            <a:r>
-              <a:rPr lang="en-US" dirty="0"/>
-              <a:t>the maximum price of Bell Peppers by Jordanian Ministry of Food &amp; </a:t>
-            </a:r>
-            <a:r>
-              <a:rPr lang="en-US" dirty="0" smtClean="0"/>
-              <a:t>Drugs.</a:t>
-            </a:r>
-          </a:p>
-          <a:p>
-            <a:r>
-              <a:rPr lang="en-US" dirty="0" smtClean="0"/>
-              <a:t>5. </a:t>
-            </a:r>
-            <a:r>
-              <a:rPr lang="en-US" dirty="0" err="1"/>
-              <a:t>jordan_min_price</a:t>
-            </a:r>
-            <a:r>
-              <a:rPr lang="en-US" dirty="0"/>
-              <a:t> : the maximum price of Bell Peppers by Jordanian Ministry of Food &amp; Drugs</a:t>
-            </a:r>
-            <a:r>
-              <a:rPr lang="en-US" dirty="0" smtClean="0"/>
-              <a:t>.</a:t>
-            </a:r>
-          </a:p>
-          <a:p>
-            <a:r>
-              <a:rPr lang="en-US" dirty="0"/>
-              <a:t>6. </a:t>
-            </a:r>
-            <a:r>
-              <a:rPr lang="en-US" dirty="0" smtClean="0"/>
-              <a:t>Supply </a:t>
-            </a:r>
-            <a:r>
-              <a:rPr lang="en-US" dirty="0"/>
-              <a:t>volume </a:t>
-            </a:r>
-            <a:r>
-              <a:rPr lang="en-US" dirty="0" smtClean="0"/>
-              <a:t>for countries (</a:t>
-            </a:r>
-            <a:r>
-              <a:rPr lang="en-US" dirty="0" err="1" smtClean="0"/>
-              <a:t>India,china,brazil,indonesia</a:t>
-            </a:r>
-            <a:r>
-              <a:rPr lang="en-US" dirty="0" smtClean="0"/>
-              <a:t> and </a:t>
-            </a:r>
-            <a:r>
-              <a:rPr lang="en-US" dirty="0" err="1" smtClean="0"/>
-              <a:t>vietnam</a:t>
-            </a:r>
-            <a:r>
-              <a:rPr lang="en-US" dirty="0" smtClean="0"/>
-              <a:t>)</a:t>
-            </a:r>
-          </a:p>
-          <a:p>
-            <a:r>
-              <a:rPr lang="en-US" dirty="0" smtClean="0"/>
-              <a:t>6. supply</a:t>
-            </a:r>
-            <a:r>
-              <a:rPr lang="en-US" dirty="0"/>
-              <a:t>: supply of Pepper Pirate Paradise Ltd. for Bell Pepper. </a:t>
-            </a:r>
-            <a:endParaRPr lang="en-US" dirty="0" smtClean="0"/>
-          </a:p>
-          <a:p>
-            <a:r>
-              <a:rPr lang="en-US" dirty="0" smtClean="0"/>
-              <a:t>7. demand</a:t>
-            </a:r>
-            <a:r>
-              <a:rPr lang="en-US" dirty="0"/>
-              <a:t>: demand of Pepper Pirate Paradise Ltd. for Bell Pepper. </a:t>
-            </a:r>
-            <a:endParaRPr lang="en-US" dirty="0" smtClean="0"/>
-          </a:p>
-          <a:p>
-            <a:r>
-              <a:rPr lang="en-US" dirty="0" smtClean="0"/>
-              <a:t>8</a:t>
-            </a:r>
-            <a:r>
-              <a:rPr lang="en-US" dirty="0"/>
-              <a:t>. </a:t>
-            </a:r>
-            <a:r>
-              <a:rPr lang="en-US" dirty="0" smtClean="0"/>
-              <a:t>Are Counties </a:t>
-            </a:r>
-            <a:r>
-              <a:rPr lang="en-US" dirty="0"/>
-              <a:t>(</a:t>
-            </a:r>
-            <a:r>
-              <a:rPr lang="en-US" dirty="0" err="1"/>
-              <a:t>India,china,brazil,indonesia</a:t>
-            </a:r>
-            <a:r>
-              <a:rPr lang="en-US" dirty="0"/>
-              <a:t> and </a:t>
-            </a:r>
-            <a:r>
-              <a:rPr lang="en-US" dirty="0" err="1"/>
-              <a:t>vietnam</a:t>
-            </a:r>
-            <a:r>
-              <a:rPr lang="en-US" dirty="0" smtClean="0"/>
-              <a:t>) in </a:t>
-            </a:r>
-            <a:r>
-              <a:rPr lang="en-US" dirty="0"/>
-              <a:t>the harvesting season or not.</a:t>
-            </a:r>
+            <a:endParaRPr lang="en-US" dirty="0"/>
           </a:p>
         </p:txBody>
       </p:sp>
@@ -11818,7 +11824,7 @@
         </p:nvSpPr>
         <p:spPr>
           <a:xfrm>
-            <a:off x="229750" y="1513490"/>
+            <a:off x="229750" y="804844"/>
             <a:ext cx="8018769" cy="2385268"/>
           </a:xfrm>
           <a:prstGeom prst="rect">
@@ -12921,17 +12927,6 @@
               </a:rPr>
               <a:t> </a:t>
             </a:r>
-            <a:endParaRPr kumimoji="0" lang="en-US" sz="2000" b="0" i="0" u="none" strike="noStrike" cap="none" normalizeH="0" baseline="0" dirty="0" smtClean="0">
-              <a:ln>
-                <a:noFill/>
-              </a:ln>
-              <a:solidFill>
-                <a:schemeClr val="tx1"/>
-              </a:solidFill>
-              <a:effectLst/>
-              <a:latin typeface="Poppins" charset="0"/>
-              <a:cs typeface="Poppins" charset="0"/>
-            </a:endParaRPr>
           </a:p>
         </p:txBody>
       </p:sp>
@@ -13640,6 +13635,13 @@
   <p:clrMapOvr>
     <a:masterClrMapping/>
   </p:clrMapOvr>
+  <p:timing>
+    <p:tnLst>
+      <p:par>
+        <p:cTn id="1" dur="indefinite" restart="never" nodeType="tmRoot"/>
+      </p:par>
+    </p:tnLst>
+  </p:timing>
 </p:sld>
 </file>
 
@@ -13707,6 +13709,13 @@
   <p:clrMapOvr>
     <a:masterClrMapping/>
   </p:clrMapOvr>
+  <p:timing>
+    <p:tnLst>
+      <p:par>
+        <p:cTn id="1" dur="indefinite" restart="never" nodeType="tmRoot"/>
+      </p:par>
+    </p:tnLst>
+  </p:timing>
 </p:sld>
 </file>
 
@@ -13864,6 +13873,13 @@
   <p:clrMapOvr>
     <a:masterClrMapping/>
   </p:clrMapOvr>
+  <p:timing>
+    <p:tnLst>
+      <p:par>
+        <p:cTn id="1" dur="indefinite" restart="never" nodeType="tmRoot"/>
+      </p:par>
+    </p:tnLst>
+  </p:timing>
 </p:sld>
 </file>
 
@@ -14021,6 +14037,13 @@
   <p:clrMapOvr>
     <a:masterClrMapping/>
   </p:clrMapOvr>
+  <p:timing>
+    <p:tnLst>
+      <p:par>
+        <p:cTn id="1" dur="indefinite" restart="never" nodeType="tmRoot"/>
+      </p:par>
+    </p:tnLst>
+  </p:timing>
 </p:sld>
 </file>
 
@@ -14088,6 +14111,13 @@
   <p:clrMapOvr>
     <a:masterClrMapping/>
   </p:clrMapOvr>
+  <p:timing>
+    <p:tnLst>
+      <p:par>
+        <p:cTn id="1" dur="indefinite" restart="never" nodeType="tmRoot"/>
+      </p:par>
+    </p:tnLst>
+  </p:timing>
 </p:sld>
 </file>
 
@@ -14245,6 +14275,13 @@
   <p:clrMapOvr>
     <a:masterClrMapping/>
   </p:clrMapOvr>
+  <p:timing>
+    <p:tnLst>
+      <p:par>
+        <p:cTn id="1" dur="indefinite" restart="never" nodeType="tmRoot"/>
+      </p:par>
+    </p:tnLst>
+  </p:timing>
 </p:sld>
 </file>
 
@@ -14322,6 +14359,13 @@
   <p:clrMapOvr>
     <a:masterClrMapping/>
   </p:clrMapOvr>
+  <p:timing>
+    <p:tnLst>
+      <p:par>
+        <p:cTn id="1" dur="indefinite" restart="never" nodeType="tmRoot"/>
+      </p:par>
+    </p:tnLst>
+  </p:timing>
 </p:sld>
 </file>
 
@@ -14512,18 +14556,18 @@
       </p:sp>
       <p:sp>
         <p:nvSpPr>
-          <p:cNvPr id="99" name="Google Shape;99;p22"/>
+          <p:cNvPr id="100" name="Google Shape;100;p22"/>
           <p:cNvSpPr txBox="1">
             <a:spLocks noGrp="1"/>
           </p:cNvSpPr>
           <p:nvPr>
-            <p:ph type="body" idx="1"/>
+            <p:ph type="body" idx="2"/>
           </p:nvPr>
         </p:nvSpPr>
         <p:spPr>
           <a:xfrm>
-            <a:off x="311700" y="1152475"/>
-            <a:ext cx="3999900" cy="3416400"/>
+            <a:off x="462199" y="1120944"/>
+            <a:ext cx="5169244" cy="3097908"/>
           </a:xfrm>
           <a:prstGeom prst="rect">
             <a:avLst/>
@@ -14535,81 +14579,61 @@
           </a:bodyPr>
           <a:lstStyle/>
           <a:p>
-            <a:pPr marL="457200" lvl="0" indent="-298450" algn="l" rtl="0">
-              <a:spcBef>
-                <a:spcPts val="1200"/>
-              </a:spcBef>
-              <a:spcAft>
-                <a:spcPts val="0"/>
-              </a:spcAft>
-              <a:buClr>
-                <a:srgbClr val="000000"/>
-              </a:buClr>
-              <a:buSzPts val="1100"/>
-              <a:buFont typeface="Arial"/>
-              <a:buChar char="❖"/>
+            <a:pPr lvl="0" indent="-317500">
+              <a:buSzPts val="1400"/>
+              <a:buFont typeface="Wingdings" pitchFamily="2" charset="2"/>
+              <a:buChar char="v"/>
             </a:pPr>
             <a:r>
-              <a:rPr lang="en" sz="1400"/>
-              <a:t>Highlighting here the importance and relevance of this project to the industry and Sitech</a:t>
+              <a:rPr lang="en-US" sz="1400" dirty="0" smtClean="0"/>
+              <a:t>This Project provides the industry with a well reliable analysis that drive the decision making in the industry of </a:t>
             </a:r>
-            <a:endParaRPr sz="1400"/>
-          </a:p>
-          <a:p>
-            <a:pPr marL="457200" lvl="0" indent="-317500" algn="l" rtl="0">
-              <a:spcBef>
-                <a:spcPts val="0"/>
-              </a:spcBef>
-              <a:spcAft>
-                <a:spcPts val="0"/>
-              </a:spcAft>
+            <a:r>
+              <a:rPr lang="en-US" sz="1400" dirty="0"/>
+              <a:t>Bell </a:t>
+            </a:r>
+            <a:r>
+              <a:rPr lang="en-US" sz="1400" dirty="0" smtClean="0"/>
+              <a:t>Pepper</a:t>
+            </a:r>
+          </a:p>
+          <a:p>
+            <a:pPr lvl="0" indent="-317500">
               <a:buSzPts val="1400"/>
-              <a:buChar char="❖"/>
+              <a:buFont typeface="Wingdings" pitchFamily="2" charset="2"/>
+              <a:buChar char="v"/>
+            </a:pPr>
+            <a:endParaRPr lang="en-US" sz="1400" dirty="0" smtClean="0"/>
+          </a:p>
+          <a:p>
+            <a:pPr lvl="0" indent="-317500">
+              <a:buSzPts val="1400"/>
+              <a:buFont typeface="Wingdings" pitchFamily="2" charset="2"/>
+              <a:buChar char="v"/>
+            </a:pPr>
+            <a:endParaRPr lang="en-US" sz="1400" dirty="0"/>
+          </a:p>
+          <a:p>
+            <a:pPr indent="-317500">
+              <a:buSzPts val="1400"/>
+              <a:buFont typeface="Wingdings" pitchFamily="2" charset="2"/>
+              <a:buChar char="v"/>
             </a:pPr>
             <a:r>
-              <a:rPr lang="en" sz="1400"/>
-              <a:t>Why having a capstone project is important instead of only studying material.</a:t>
+              <a:rPr lang="en-US" sz="1400" dirty="0" smtClean="0"/>
+              <a:t>Capstone </a:t>
             </a:r>
-            <a:endParaRPr sz="1400"/>
-          </a:p>
-        </p:txBody>
-      </p:sp>
-      <p:sp>
-        <p:nvSpPr>
-          <p:cNvPr id="100" name="Google Shape;100;p22"/>
-          <p:cNvSpPr txBox="1">
-            <a:spLocks noGrp="1"/>
-          </p:cNvSpPr>
-          <p:nvPr>
-            <p:ph type="body" idx="2"/>
-          </p:nvPr>
-        </p:nvSpPr>
-        <p:spPr>
-          <a:xfrm>
-            <a:off x="4832400" y="1152475"/>
-            <a:ext cx="3999900" cy="3416400"/>
-          </a:xfrm>
-          <a:prstGeom prst="rect">
-            <a:avLst/>
-          </a:prstGeom>
-        </p:spPr>
-        <p:txBody>
-          <a:bodyPr spcFirstLastPara="1" wrap="square" lIns="0" tIns="91425" rIns="0" bIns="91425" anchor="t" anchorCtr="0">
-            <a:noAutofit/>
-          </a:bodyPr>
-          <a:lstStyle/>
-          <a:p>
-            <a:pPr marL="457200" lvl="0" indent="-317500" algn="l" rtl="0">
-              <a:spcBef>
-                <a:spcPts val="0"/>
-              </a:spcBef>
-              <a:spcAft>
-                <a:spcPts val="0"/>
-              </a:spcAft>
+            <a:r>
+              <a:rPr lang="en-US" sz="1400" dirty="0"/>
+              <a:t>projects are generally developed to energize students' critical thinking, problem-solving, oral communication, research, and teamwork abilities</a:t>
+            </a:r>
+          </a:p>
+          <a:p>
+            <a:pPr marL="139700" lvl="0" indent="0">
               <a:buSzPts val="1400"/>
-              <a:buChar char="❖"/>
+              <a:buNone/>
             </a:pPr>
-            <a:endParaRPr sz="1400"/>
+            <a:endParaRPr sz="1400" dirty="0"/>
           </a:p>
         </p:txBody>
       </p:sp>
@@ -14709,8 +14733,8 @@
         </p:nvSpPr>
         <p:spPr>
           <a:xfrm>
-            <a:off x="451075" y="2609950"/>
-            <a:ext cx="2785200" cy="1326300"/>
+            <a:off x="432157" y="2900034"/>
+            <a:ext cx="3048870" cy="1596291"/>
           </a:xfrm>
           <a:prstGeom prst="rect">
             <a:avLst/>
@@ -14732,10 +14756,31 @@
               <a:buNone/>
             </a:pPr>
             <a:r>
-              <a:rPr lang="en" sz="2000"/>
-              <a:t>Names, Roles &amp; Brief Bio/Specialization</a:t>
+              <a:rPr lang="en" sz="2000" dirty="0" smtClean="0"/>
+              <a:t>Omar Soub</a:t>
             </a:r>
-            <a:endParaRPr sz="2000"/>
+            <a:br>
+              <a:rPr lang="en" sz="2000" dirty="0" smtClean="0"/>
+            </a:br>
+            <a:r>
+              <a:rPr lang="en" sz="2000" dirty="0" smtClean="0"/>
+              <a:t>Mohammad Alomari</a:t>
+            </a:r>
+            <a:br>
+              <a:rPr lang="en" sz="2000" dirty="0" smtClean="0"/>
+            </a:br>
+            <a:r>
+              <a:rPr lang="en" sz="2000" dirty="0" smtClean="0"/>
+              <a:t>Omar Ammar</a:t>
+            </a:r>
+            <a:br>
+              <a:rPr lang="en" sz="2000" dirty="0" smtClean="0"/>
+            </a:br>
+            <a:r>
+              <a:rPr lang="en" sz="2000" dirty="0" smtClean="0"/>
+              <a:t>Saleh Zeut</a:t>
+            </a:r>
+            <a:endParaRPr sz="2000" dirty="0"/>
           </a:p>
         </p:txBody>
       </p:sp>
